--- a/module-2/ppt/2.3-Data Representation.pptx
+++ b/module-2/ppt/2.3-Data Representation.pptx
@@ -6,7 +6,7 @@
     <p:sldMasterId id="2147483671" r:id="rId2"/>
   </p:sldMasterIdLst>
   <p:notesMasterIdLst>
-    <p:notesMasterId r:id="rId13"/>
+    <p:notesMasterId r:id="rId14"/>
   </p:notesMasterIdLst>
   <p:sldIdLst>
     <p:sldId id="2602" r:id="rId3"/>
@@ -16,9 +16,10 @@
     <p:sldId id="2562" r:id="rId7"/>
     <p:sldId id="2563" r:id="rId8"/>
     <p:sldId id="2565" r:id="rId9"/>
-    <p:sldId id="2611" r:id="rId10"/>
-    <p:sldId id="2613" r:id="rId11"/>
-    <p:sldId id="2612" r:id="rId12"/>
+    <p:sldId id="2612" r:id="rId10"/>
+    <p:sldId id="280" r:id="rId11"/>
+    <p:sldId id="2611" r:id="rId12"/>
+    <p:sldId id="2613" r:id="rId13"/>
   </p:sldIdLst>
   <p:sldSz cx="12192000" cy="6858000"/>
   <p:notesSz cx="6858000" cy="9144000"/>
@@ -117,6 +118,11 @@
       </a:defRPr>
     </a:lvl9pPr>
   </p:defaultTextStyle>
+  <p:extLst>
+    <p:ext uri="{EFAFB233-063F-42B5-8137-9DF3F51BA10A}">
+      <p15:sldGuideLst xmlns:p15="http://schemas.microsoft.com/office/powerpoint/2012/main"/>
+    </p:ext>
+  </p:extLst>
 </p:presentation>
 </file>
 
@@ -202,7 +208,7 @@
           <a:p>
             <a:fld id="{ECC93BED-D6B3-334D-9CE3-F2869B7E72EB}" type="datetimeFigureOut">
               <a:rPr lang="en-US" smtClean="0"/>
-              <a:t>10/19/20</a:t>
+              <a:t>11/16/20</a:t>
             </a:fld>
             <a:endParaRPr lang="en-US"/>
           </a:p>
@@ -782,6 +788,86 @@
 </p:notes>
 </file>
 
+<file path=ppt/notesSlides/notesSlide4.xml><?xml version="1.0" encoding="utf-8"?>
+<p:notes xmlns:a="http://schemas.openxmlformats.org/drawingml/2006/main" xmlns:r="http://schemas.openxmlformats.org/officeDocument/2006/relationships" xmlns:p="http://schemas.openxmlformats.org/presentationml/2006/main">
+  <p:cSld>
+    <p:spTree>
+      <p:nvGrpSpPr>
+        <p:cNvPr id="1" name=""/>
+        <p:cNvGrpSpPr/>
+        <p:nvPr/>
+      </p:nvGrpSpPr>
+      <p:grpSpPr>
+        <a:xfrm>
+          <a:off x="0" y="0"/>
+          <a:ext cx="0" cy="0"/>
+          <a:chOff x="0" y="0"/>
+          <a:chExt cx="0" cy="0"/>
+        </a:xfrm>
+      </p:grpSpPr>
+      <p:sp>
+        <p:nvSpPr>
+          <p:cNvPr id="291" name="Shape 291"/>
+          <p:cNvSpPr>
+            <a:spLocks noGrp="1" noRot="1" noChangeAspect="1"/>
+          </p:cNvSpPr>
+          <p:nvPr>
+            <p:ph type="sldImg"/>
+          </p:nvPr>
+        </p:nvSpPr>
+        <p:spPr>
+          <a:xfrm>
+            <a:off x="381000" y="685800"/>
+            <a:ext cx="6096000" cy="3429000"/>
+          </a:xfrm>
+          <a:prstGeom prst="rect">
+            <a:avLst/>
+          </a:prstGeom>
+        </p:spPr>
+        <p:txBody>
+          <a:bodyPr/>
+          <a:lstStyle/>
+          <a:p>
+            <a:endParaRPr/>
+          </a:p>
+        </p:txBody>
+      </p:sp>
+      <p:sp>
+        <p:nvSpPr>
+          <p:cNvPr id="292" name="Shape 292"/>
+          <p:cNvSpPr>
+            <a:spLocks noGrp="1"/>
+          </p:cNvSpPr>
+          <p:nvPr>
+            <p:ph type="body" sz="quarter" idx="1"/>
+          </p:nvPr>
+        </p:nvSpPr>
+        <p:spPr>
+          <a:prstGeom prst="rect">
+            <a:avLst/>
+          </a:prstGeom>
+        </p:spPr>
+        <p:txBody>
+          <a:bodyPr/>
+          <a:lstStyle/>
+          <a:p>
+            <a:endParaRPr/>
+          </a:p>
+        </p:txBody>
+      </p:sp>
+    </p:spTree>
+    <p:extLst>
+      <p:ext uri="{BB962C8B-B14F-4D97-AF65-F5344CB8AC3E}">
+        <p14:creationId xmlns:p14="http://schemas.microsoft.com/office/powerpoint/2010/main" val="3198293318"/>
+      </p:ext>
+    </p:extLst>
+  </p:cSld>
+  <p:clrMapOvr>
+    <a:masterClrMapping/>
+  </p:clrMapOvr>
+</p:notes>
+</file>
+
 <file path=ppt/slideLayouts/slideLayout1.xml><?xml version="1.0" encoding="utf-8"?>
 <p:sldLayout xmlns:a="http://schemas.openxmlformats.org/drawingml/2006/main" xmlns:r="http://schemas.openxmlformats.org/officeDocument/2006/relationships" xmlns:p="http://schemas.openxmlformats.org/presentationml/2006/main" type="obj" preserve="1">
   <p:cSld name="Title and Content">
@@ -2149,7 +2235,7 @@
           <a:p>
             <a:fld id="{2AAA8945-93FC-CD4D-85EF-05021FBA20E6}" type="datetimeFigureOut">
               <a:rPr lang="en-US" smtClean="0"/>
-              <a:t>10/19/20</a:t>
+              <a:t>11/16/20</a:t>
             </a:fld>
             <a:endParaRPr lang="en-US"/>
           </a:p>
@@ -2262,7 +2348,7 @@
           <a:p>
             <a:fld id="{2AAA8945-93FC-CD4D-85EF-05021FBA20E6}" type="datetimeFigureOut">
               <a:rPr lang="en-US" smtClean="0"/>
-              <a:t>10/19/20</a:t>
+              <a:t>11/16/20</a:t>
             </a:fld>
             <a:endParaRPr lang="en-US"/>
           </a:p>
@@ -4533,10 +4619,82 @@
       </p:grpSpPr>
       <p:sp>
         <p:nvSpPr>
+          <p:cNvPr id="5" name="Title 4">
+            <a:extLst>
+              <a:ext uri="{FF2B5EF4-FFF2-40B4-BE49-F238E27FC236}">
+                <a16:creationId xmlns:a16="http://schemas.microsoft.com/office/drawing/2014/main" id="{3C485A7A-6D4C-6449-95D3-D40C9E876BB6}"/>
+              </a:ext>
+            </a:extLst>
+          </p:cNvPr>
+          <p:cNvSpPr>
+            <a:spLocks noGrp="1"/>
+          </p:cNvSpPr>
+          <p:nvPr>
+            <p:ph type="ctrTitle"/>
+          </p:nvPr>
+        </p:nvSpPr>
+        <p:spPr/>
+        <p:txBody>
+          <a:bodyPr>
+            <a:normAutofit/>
+          </a:bodyPr>
+          <a:lstStyle/>
+          <a:p>
+            <a:r>
+              <a:rPr lang="en-US" sz="4000" dirty="0"/>
+              <a:t>DEMONSTRATION:</a:t>
+            </a:r>
+            <a:br>
+              <a:rPr lang="en-US" sz="4000" dirty="0"/>
+            </a:br>
+            <a:r>
+              <a:rPr lang="en-US" sz="4000" dirty="0"/>
+              <a:t>Representation and ML </a:t>
+            </a:r>
+            <a:r>
+              <a:rPr lang="en-US" sz="4000" dirty="0" err="1"/>
+              <a:t>PipeLINES</a:t>
+            </a:r>
+            <a:endParaRPr lang="en-US" sz="4000" dirty="0"/>
+          </a:p>
+        </p:txBody>
+      </p:sp>
+    </p:spTree>
+    <p:extLst>
+      <p:ext uri="{BB962C8B-B14F-4D97-AF65-F5344CB8AC3E}">
+        <p14:creationId xmlns:p14="http://schemas.microsoft.com/office/powerpoint/2010/main" val="2372790801"/>
+      </p:ext>
+    </p:extLst>
+  </p:cSld>
+  <p:clrMapOvr>
+    <a:masterClrMapping/>
+  </p:clrMapOvr>
+</p:sld>
+</file>
+
+<file path=ppt/slides/slide11.xml><?xml version="1.0" encoding="utf-8"?>
+<p:sld xmlns:a="http://schemas.openxmlformats.org/drawingml/2006/main" xmlns:r="http://schemas.openxmlformats.org/officeDocument/2006/relationships" xmlns:p="http://schemas.openxmlformats.org/presentationml/2006/main">
+  <p:cSld>
+    <p:spTree>
+      <p:nvGrpSpPr>
+        <p:cNvPr id="1" name=""/>
+        <p:cNvGrpSpPr/>
+        <p:nvPr/>
+      </p:nvGrpSpPr>
+      <p:grpSpPr>
+        <a:xfrm>
+          <a:off x="0" y="0"/>
+          <a:ext cx="0" cy="0"/>
+          <a:chOff x="0" y="0"/>
+          <a:chExt cx="0" cy="0"/>
+        </a:xfrm>
+      </p:grpSpPr>
+      <p:sp>
+        <p:nvSpPr>
           <p:cNvPr id="4" name="Slide Number Placeholder 3">
             <a:extLst>
               <a:ext uri="{FF2B5EF4-FFF2-40B4-BE49-F238E27FC236}">
-                <a16:creationId xmlns:a16="http://schemas.microsoft.com/office/drawing/2014/main" id="{3A193A4D-0A6C-9047-AC3F-827C57768A09}"/>
+                <a16:creationId xmlns:a16="http://schemas.microsoft.com/office/drawing/2014/main" id="{F9A18ADE-FCB3-A34B-B3FE-F56F1C568356}"/>
               </a:ext>
             </a:extLst>
           </p:cNvPr>
@@ -4555,7 +4713,7 @@
             <a:fld id="{256CE055-ECFD-9048-9FD8-7E2D8656A4F7}" type="slidenum">
               <a:rPr lang="en-US" smtClean="0"/>
               <a:pPr/>
-              <a:t>10</a:t>
+              <a:t>11</a:t>
             </a:fld>
             <a:endParaRPr lang="en-US" dirty="0"/>
           </a:p>
@@ -4563,10 +4721,10 @@
       </p:sp>
       <p:pic>
         <p:nvPicPr>
-          <p:cNvPr id="5" name="Picture 4">
+          <p:cNvPr id="5" name="Picture 4" descr="A screenshot of a cell phone&#10;&#10;Description automatically generated">
             <a:extLst>
               <a:ext uri="{FF2B5EF4-FFF2-40B4-BE49-F238E27FC236}">
-                <a16:creationId xmlns:a16="http://schemas.microsoft.com/office/drawing/2014/main" id="{E338A87B-7B79-7142-B108-36705539F163}"/>
+                <a16:creationId xmlns:a16="http://schemas.microsoft.com/office/drawing/2014/main" id="{EC87F977-8DE1-434D-A059-9DD9CA26E48C}"/>
               </a:ext>
             </a:extLst>
           </p:cNvPr>
@@ -4575,16 +4733,15 @@
           </p:cNvPicPr>
           <p:nvPr/>
         </p:nvPicPr>
-        <p:blipFill>
+        <p:blipFill rotWithShape="1">
           <a:blip r:embed="rId2"/>
-          <a:stretch>
-            <a:fillRect/>
-          </a:stretch>
+          <a:srcRect r="16573" b="-1"/>
+          <a:stretch/>
         </p:blipFill>
         <p:spPr>
           <a:xfrm>
-            <a:off x="2642541" y="202018"/>
-            <a:ext cx="6633773" cy="5677786"/>
+            <a:off x="3366265" y="112064"/>
+            <a:ext cx="5459470" cy="5578816"/>
           </a:xfrm>
           <a:prstGeom prst="rect">
             <a:avLst/>
@@ -4594,7 +4751,7 @@
     </p:spTree>
     <p:extLst>
       <p:ext uri="{BB962C8B-B14F-4D97-AF65-F5344CB8AC3E}">
-        <p14:creationId xmlns:p14="http://schemas.microsoft.com/office/powerpoint/2010/main" val="2560682368"/>
+        <p14:creationId xmlns:p14="http://schemas.microsoft.com/office/powerpoint/2010/main" val="1721184007"/>
       </p:ext>
     </p:extLst>
   </p:cSld>
@@ -5531,7 +5688,7 @@
           </a:ln>
           <a:extLst>
             <a:ext uri="{C572A759-6A51-4108-AA02-DFA0A04FC94B}">
-              <ma14:wrappingTextBoxFlag xmlns:ma14="http://schemas.microsoft.com/office/mac/drawingml/2011/main" xmlns:a14="http://schemas.microsoft.com/office/drawing/2010/main" xmlns:m="http://schemas.openxmlformats.org/officeDocument/2006/math" xmlns="" val="1"/>
+              <ma14:wrappingTextBoxFlag xmlns="" xmlns:m="http://schemas.openxmlformats.org/officeDocument/2006/math" xmlns:a14="http://schemas.microsoft.com/office/drawing/2010/main" xmlns:ma14="http://schemas.microsoft.com/office/mac/drawingml/2011/main" val="1"/>
             </a:ext>
           </a:extLst>
         </p:spPr>
@@ -5695,7 +5852,7 @@
           </a:ln>
           <a:extLst>
             <a:ext uri="{C572A759-6A51-4108-AA02-DFA0A04FC94B}">
-              <ma14:wrappingTextBoxFlag xmlns:ma14="http://schemas.microsoft.com/office/mac/drawingml/2011/main" xmlns:a14="http://schemas.microsoft.com/office/drawing/2010/main" xmlns:m="http://schemas.openxmlformats.org/officeDocument/2006/math" xmlns="" val="1"/>
+              <ma14:wrappingTextBoxFlag xmlns="" xmlns:m="http://schemas.openxmlformats.org/officeDocument/2006/math" xmlns:a14="http://schemas.microsoft.com/office/drawing/2010/main" xmlns:ma14="http://schemas.microsoft.com/office/mac/drawingml/2011/main" val="1"/>
             </a:ext>
           </a:extLst>
         </p:spPr>
@@ -5743,7 +5900,7 @@
           </a:ln>
           <a:extLst>
             <a:ext uri="{C572A759-6A51-4108-AA02-DFA0A04FC94B}">
-              <ma14:wrappingTextBoxFlag xmlns:ma14="http://schemas.microsoft.com/office/mac/drawingml/2011/main" xmlns:a14="http://schemas.microsoft.com/office/drawing/2010/main" xmlns:m="http://schemas.openxmlformats.org/officeDocument/2006/math" xmlns="" val="1"/>
+              <ma14:wrappingTextBoxFlag xmlns="" xmlns:m="http://schemas.openxmlformats.org/officeDocument/2006/math" xmlns:a14="http://schemas.microsoft.com/office/drawing/2010/main" xmlns:ma14="http://schemas.microsoft.com/office/mac/drawingml/2011/main" val="1"/>
             </a:ext>
           </a:extLst>
         </p:spPr>
@@ -5822,7 +5979,7 @@
           </a:ln>
           <a:extLst>
             <a:ext uri="{C572A759-6A51-4108-AA02-DFA0A04FC94B}">
-              <ma14:wrappingTextBoxFlag xmlns:ma14="http://schemas.microsoft.com/office/mac/drawingml/2011/main" xmlns:a14="http://schemas.microsoft.com/office/drawing/2010/main" xmlns:m="http://schemas.openxmlformats.org/officeDocument/2006/math" xmlns="" val="1"/>
+              <ma14:wrappingTextBoxFlag xmlns="" xmlns:m="http://schemas.openxmlformats.org/officeDocument/2006/math" xmlns:a14="http://schemas.microsoft.com/office/drawing/2010/main" xmlns:ma14="http://schemas.microsoft.com/office/mac/drawingml/2011/main" val="1"/>
             </a:ext>
           </a:extLst>
         </p:spPr>
@@ -5925,7 +6082,7 @@
           </a:ln>
           <a:extLst>
             <a:ext uri="{C572A759-6A51-4108-AA02-DFA0A04FC94B}">
-              <ma14:wrappingTextBoxFlag xmlns:ma14="http://schemas.microsoft.com/office/mac/drawingml/2011/main" xmlns:a14="http://schemas.microsoft.com/office/drawing/2010/main" xmlns:m="http://schemas.openxmlformats.org/officeDocument/2006/math" xmlns="" val="1"/>
+              <ma14:wrappingTextBoxFlag xmlns="" xmlns:m="http://schemas.openxmlformats.org/officeDocument/2006/math" xmlns:a14="http://schemas.microsoft.com/office/drawing/2010/main" xmlns:ma14="http://schemas.microsoft.com/office/mac/drawingml/2011/main" val="1"/>
             </a:ext>
           </a:extLst>
         </p:spPr>
@@ -6000,7 +6157,7 @@
           </a:ln>
           <a:extLst>
             <a:ext uri="{C572A759-6A51-4108-AA02-DFA0A04FC94B}">
-              <ma14:wrappingTextBoxFlag xmlns:ma14="http://schemas.microsoft.com/office/mac/drawingml/2011/main" xmlns:a14="http://schemas.microsoft.com/office/drawing/2010/main" xmlns:m="http://schemas.openxmlformats.org/officeDocument/2006/math" xmlns="" val="1"/>
+              <ma14:wrappingTextBoxFlag xmlns="" xmlns:m="http://schemas.openxmlformats.org/officeDocument/2006/math" xmlns:a14="http://schemas.microsoft.com/office/drawing/2010/main" xmlns:ma14="http://schemas.microsoft.com/office/mac/drawingml/2011/main" val="1"/>
             </a:ext>
           </a:extLst>
         </p:spPr>
@@ -6110,7 +6267,7 @@
           </a:ln>
           <a:extLst>
             <a:ext uri="{C572A759-6A51-4108-AA02-DFA0A04FC94B}">
-              <ma14:wrappingTextBoxFlag xmlns:ma14="http://schemas.microsoft.com/office/mac/drawingml/2011/main" xmlns:a14="http://schemas.microsoft.com/office/drawing/2010/main" xmlns:m="http://schemas.openxmlformats.org/officeDocument/2006/math" xmlns="" val="1"/>
+              <ma14:wrappingTextBoxFlag xmlns="" xmlns:m="http://schemas.openxmlformats.org/officeDocument/2006/math" xmlns:a14="http://schemas.microsoft.com/office/drawing/2010/main" xmlns:ma14="http://schemas.microsoft.com/office/mac/drawingml/2011/main" val="1"/>
             </a:ext>
           </a:extLst>
         </p:spPr>
@@ -6180,10 +6337,10 @@
       </p:grpSpPr>
       <p:sp>
         <p:nvSpPr>
-          <p:cNvPr id="5" name="Title 4">
+          <p:cNvPr id="6" name="Title 5">
             <a:extLst>
               <a:ext uri="{FF2B5EF4-FFF2-40B4-BE49-F238E27FC236}">
-                <a16:creationId xmlns:a16="http://schemas.microsoft.com/office/drawing/2014/main" id="{3C485A7A-6D4C-6449-95D3-D40C9E876BB6}"/>
+                <a16:creationId xmlns:a16="http://schemas.microsoft.com/office/drawing/2014/main" id="{EBFDAB47-97B0-5D40-844F-12B476E1887A}"/>
               </a:ext>
             </a:extLst>
           </p:cNvPr>
@@ -6191,7 +6348,7 @@
             <a:spLocks noGrp="1"/>
           </p:cNvSpPr>
           <p:nvPr>
-            <p:ph type="ctrTitle"/>
+            <p:ph type="title"/>
           </p:nvPr>
         </p:nvSpPr>
         <p:spPr/>
@@ -6201,15 +6358,128 @@
           <a:p>
             <a:r>
               <a:rPr lang="en-US" dirty="0"/>
-              <a:t>DEMONSTRATION</a:t>
-            </a:r>
+              <a:t>Different Ways to Represent Traffic</a:t>
+            </a:r>
+          </a:p>
+        </p:txBody>
+      </p:sp>
+      <p:sp>
+        <p:nvSpPr>
+          <p:cNvPr id="7" name="Content Placeholder 6">
+            <a:extLst>
+              <a:ext uri="{FF2B5EF4-FFF2-40B4-BE49-F238E27FC236}">
+                <a16:creationId xmlns:a16="http://schemas.microsoft.com/office/drawing/2014/main" id="{1862D5D3-3FFE-CF48-9714-81F974835A5D}"/>
+              </a:ext>
+            </a:extLst>
+          </p:cNvPr>
+          <p:cNvSpPr>
+            <a:spLocks noGrp="1"/>
+          </p:cNvSpPr>
+          <p:nvPr>
+            <p:ph idx="1"/>
+          </p:nvPr>
+        </p:nvSpPr>
+        <p:spPr/>
+        <p:txBody>
+          <a:bodyPr>
+            <a:normAutofit fontScale="92500" lnSpcReduction="20000"/>
+          </a:bodyPr>
+          <a:lstStyle/>
+          <a:p>
+            <a:r>
+              <a:rPr lang="en-US" dirty="0"/>
+              <a:t>”Raw” network traffic</a:t>
+            </a:r>
+          </a:p>
+          <a:p>
+            <a:pPr lvl="1"/>
+            <a:r>
+              <a:rPr lang="en-US" dirty="0"/>
+              <a:t>High volume</a:t>
+            </a:r>
+          </a:p>
+          <a:p>
+            <a:pPr lvl="1"/>
+            <a:r>
+              <a:rPr lang="en-US" dirty="0"/>
+              <a:t>Models may learn the wrong things</a:t>
+            </a:r>
+          </a:p>
+          <a:p>
+            <a:endParaRPr lang="en-US" dirty="0"/>
+          </a:p>
+          <a:p>
+            <a:r>
+              <a:rPr lang="en-US" dirty="0"/>
+              <a:t>Aggregated flows</a:t>
+            </a:r>
+          </a:p>
+          <a:p>
+            <a:pPr lvl="1"/>
+            <a:r>
+              <a:rPr lang="en-US" dirty="0"/>
+              <a:t>May obscure important features (e.g., timing)</a:t>
+            </a:r>
+          </a:p>
+          <a:p>
+            <a:endParaRPr lang="en-US" dirty="0"/>
+          </a:p>
+          <a:p>
+            <a:r>
+              <a:rPr lang="en-US" dirty="0"/>
+              <a:t>Summary statistics</a:t>
+            </a:r>
+          </a:p>
+          <a:p>
+            <a:pPr lvl="1"/>
+            <a:r>
+              <a:rPr lang="en-US" dirty="0"/>
+              <a:t>Sensitive to parameter tuning</a:t>
+            </a:r>
+          </a:p>
+          <a:p>
+            <a:pPr lvl="1"/>
+            <a:r>
+              <a:rPr lang="en-US" dirty="0"/>
+              <a:t>Time bins and other parameters may affect model accuracy</a:t>
+            </a:r>
+          </a:p>
+        </p:txBody>
+      </p:sp>
+      <p:sp>
+        <p:nvSpPr>
+          <p:cNvPr id="5" name="Slide Number Placeholder 4">
+            <a:extLst>
+              <a:ext uri="{FF2B5EF4-FFF2-40B4-BE49-F238E27FC236}">
+                <a16:creationId xmlns:a16="http://schemas.microsoft.com/office/drawing/2014/main" id="{13D5FC57-5C11-DB48-B33D-0726A026B91D}"/>
+              </a:ext>
+            </a:extLst>
+          </p:cNvPr>
+          <p:cNvSpPr>
+            <a:spLocks noGrp="1"/>
+          </p:cNvSpPr>
+          <p:nvPr>
+            <p:ph type="sldNum" sz="quarter" idx="12"/>
+          </p:nvPr>
+        </p:nvSpPr>
+        <p:spPr/>
+        <p:txBody>
+          <a:bodyPr/>
+          <a:lstStyle/>
+          <a:p>
+            <a:fld id="{256CE055-ECFD-9048-9FD8-7E2D8656A4F7}" type="slidenum">
+              <a:rPr lang="en-US" smtClean="0"/>
+              <a:pPr/>
+              <a:t>8</a:t>
+            </a:fld>
+            <a:endParaRPr lang="en-US" dirty="0"/>
           </a:p>
         </p:txBody>
       </p:sp>
     </p:spTree>
     <p:extLst>
       <p:ext uri="{BB962C8B-B14F-4D97-AF65-F5344CB8AC3E}">
-        <p14:creationId xmlns:p14="http://schemas.microsoft.com/office/powerpoint/2010/main" val="2372790801"/>
+        <p14:creationId xmlns:p14="http://schemas.microsoft.com/office/powerpoint/2010/main" val="3483600342"/>
       </p:ext>
     </p:extLst>
   </p:cSld>
@@ -6238,126 +6508,100 @@
       </p:grpSpPr>
       <p:sp>
         <p:nvSpPr>
-          <p:cNvPr id="5" name="Title 4">
-            <a:extLst>
-              <a:ext uri="{FF2B5EF4-FFF2-40B4-BE49-F238E27FC236}">
-                <a16:creationId xmlns:a16="http://schemas.microsoft.com/office/drawing/2014/main" id="{0A6A768E-D67F-C848-A977-5558EF73FBF8}"/>
-              </a:ext>
-            </a:extLst>
-          </p:cNvPr>
-          <p:cNvSpPr>
+          <p:cNvPr id="288" name="Packet Representation - Packets as Pictures"/>
+          <p:cNvSpPr txBox="1">
             <a:spLocks noGrp="1"/>
           </p:cNvSpPr>
           <p:nvPr>
             <p:ph type="title"/>
           </p:nvPr>
         </p:nvSpPr>
-        <p:spPr/>
-        <p:txBody>
-          <a:bodyPr/>
-          <a:lstStyle/>
-          <a:p>
-            <a:r>
-              <a:rPr lang="en-US" dirty="0"/>
-              <a:t>Start: Example Basic Analysis Questions</a:t>
-            </a:r>
-          </a:p>
-        </p:txBody>
-      </p:sp>
-      <p:sp>
-        <p:nvSpPr>
-          <p:cNvPr id="6" name="Content Placeholder 5">
-            <a:extLst>
-              <a:ext uri="{FF2B5EF4-FFF2-40B4-BE49-F238E27FC236}">
-                <a16:creationId xmlns:a16="http://schemas.microsoft.com/office/drawing/2014/main" id="{9CF03A45-EB94-2746-BD29-3FFFF0FF3D7A}"/>
-              </a:ext>
-            </a:extLst>
-          </p:cNvPr>
-          <p:cNvSpPr>
-            <a:spLocks noGrp="1"/>
-          </p:cNvSpPr>
-          <p:nvPr>
-            <p:ph idx="1"/>
-          </p:nvPr>
-        </p:nvSpPr>
-        <p:spPr/>
-        <p:txBody>
-          <a:bodyPr/>
-          <a:lstStyle/>
-          <a:p>
-            <a:r>
-              <a:rPr lang="en-US" dirty="0"/>
-              <a:t>How many devices are on the network?</a:t>
-            </a:r>
-          </a:p>
-          <a:p>
-            <a:endParaRPr lang="en-US" dirty="0"/>
-          </a:p>
-          <a:p>
-            <a:r>
-              <a:rPr lang="en-US" dirty="0"/>
-              <a:t>What are the most common destinations?</a:t>
-            </a:r>
-          </a:p>
-          <a:p>
-            <a:endParaRPr lang="en-US" dirty="0"/>
-          </a:p>
-          <a:p>
-            <a:r>
-              <a:rPr lang="en-US" dirty="0"/>
-              <a:t>How much traffic is each of the devices sending?</a:t>
-            </a:r>
-          </a:p>
-          <a:p>
-            <a:pPr lvl="1"/>
-            <a:r>
-              <a:rPr lang="en-US" dirty="0"/>
-              <a:t>In total?</a:t>
-            </a:r>
-          </a:p>
-          <a:p>
-            <a:pPr lvl="1"/>
-            <a:r>
-              <a:rPr lang="en-US" dirty="0"/>
-              <a:t>To each destination?</a:t>
-            </a:r>
-          </a:p>
-        </p:txBody>
-      </p:sp>
-      <p:sp>
-        <p:nvSpPr>
-          <p:cNvPr id="4" name="Slide Number Placeholder 3">
-            <a:extLst>
-              <a:ext uri="{FF2B5EF4-FFF2-40B4-BE49-F238E27FC236}">
-                <a16:creationId xmlns:a16="http://schemas.microsoft.com/office/drawing/2014/main" id="{79852E18-8279-804D-BDE0-553DA466CC40}"/>
-              </a:ext>
-            </a:extLst>
-          </p:cNvPr>
-          <p:cNvSpPr>
+        <p:spPr>
+          <a:prstGeom prst="rect">
+            <a:avLst/>
+          </a:prstGeom>
+        </p:spPr>
+        <p:txBody>
+          <a:bodyPr>
+            <a:normAutofit/>
+          </a:bodyPr>
+          <a:lstStyle>
+            <a:lvl1pPr defTabSz="553084">
+              <a:defRPr sz="7504"/>
+            </a:lvl1pPr>
+          </a:lstStyle>
+          <a:p>
+            <a:r>
+              <a:rPr lang="en-US" sz="4400" dirty="0"/>
+              <a:t>One Approach: Aligned Packet Header</a:t>
+            </a:r>
+            <a:endParaRPr sz="4400" dirty="0"/>
+          </a:p>
+        </p:txBody>
+      </p:sp>
+      <p:sp>
+        <p:nvSpPr>
+          <p:cNvPr id="289" name="Slide Number"/>
+          <p:cNvSpPr txBox="1">
             <a:spLocks noGrp="1"/>
           </p:cNvSpPr>
           <p:nvPr>
             <p:ph type="sldNum" sz="quarter" idx="12"/>
           </p:nvPr>
         </p:nvSpPr>
-        <p:spPr/>
+        <p:spPr>
+          <a:prstGeom prst="rect">
+            <a:avLst/>
+          </a:prstGeom>
+          <a:extLst>
+            <a:ext uri="{C572A759-6A51-4108-AA02-DFA0A04FC94B}">
+              <ma14:wrappingTextBoxFlag xmlns:ma14="http://schemas.microsoft.com/office/mac/drawingml/2011/main" xmlns:a14="http://schemas.microsoft.com/office/drawing/2010/main" xmlns:m="http://schemas.openxmlformats.org/officeDocument/2006/math" xmlns="" val="1"/>
+            </a:ext>
+          </a:extLst>
+        </p:spPr>
         <p:txBody>
           <a:bodyPr/>
           <a:lstStyle/>
           <a:p>
-            <a:fld id="{256CE055-ECFD-9048-9FD8-7E2D8656A4F7}" type="slidenum">
-              <a:rPr lang="en-US" smtClean="0"/>
-              <a:pPr/>
+            <a:fld id="{86CB4B4D-7CA3-9044-876B-883B54F8677D}" type="slidenum">
               <a:t>9</a:t>
             </a:fld>
-            <a:endParaRPr lang="en-US" dirty="0"/>
-          </a:p>
-        </p:txBody>
-      </p:sp>
+            <a:endParaRPr/>
+          </a:p>
+        </p:txBody>
+      </p:sp>
+      <p:pic>
+        <p:nvPicPr>
+          <p:cNvPr id="290" name="Screen Shot 2020-04-06 at 3.43.01 PM.png" descr="Screen Shot 2020-04-06 at 3.43.01 PM.png"/>
+          <p:cNvPicPr>
+            <a:picLocks noChangeAspect="1"/>
+          </p:cNvPicPr>
+          <p:nvPr/>
+        </p:nvPicPr>
+        <p:blipFill>
+          <a:blip r:embed="rId3"/>
+          <a:srcRect/>
+          <a:stretch>
+            <a:fillRect/>
+          </a:stretch>
+        </p:blipFill>
+        <p:spPr>
+          <a:xfrm>
+            <a:off x="1782509" y="1392023"/>
+            <a:ext cx="8791645" cy="4538331"/>
+          </a:xfrm>
+          <a:prstGeom prst="rect">
+            <a:avLst/>
+          </a:prstGeom>
+          <a:ln w="12700">
+            <a:miter lim="400000"/>
+          </a:ln>
+        </p:spPr>
+      </p:pic>
     </p:spTree>
     <p:extLst>
       <p:ext uri="{BB962C8B-B14F-4D97-AF65-F5344CB8AC3E}">
-        <p14:creationId xmlns:p14="http://schemas.microsoft.com/office/powerpoint/2010/main" val="808484227"/>
+        <p14:creationId xmlns:p14="http://schemas.microsoft.com/office/powerpoint/2010/main" val="1511042304"/>
       </p:ext>
     </p:extLst>
   </p:cSld>

--- a/module-2/ppt/2.3-Data Representation.pptx
+++ b/module-2/ppt/2.3-Data Representation.pptx
@@ -4888,17 +4888,30 @@
           <a:lstStyle/>
           <a:p>
             <a:r>
-              <a:rPr lang="en-US" sz="3600" dirty="0"/>
-              <a:t>Loading network traffic into software libraries.</a:t>
-            </a:r>
-          </a:p>
-          <a:p>
-            <a:endParaRPr lang="en-US" sz="3600" dirty="0"/>
-          </a:p>
-          <a:p>
-            <a:r>
-              <a:rPr lang="en-US" sz="3600" dirty="0"/>
-              <a:t>Learning about data representations.</a:t>
+              <a:rPr lang="en-US" dirty="0"/>
+              <a:t>Describe the considerations and challenges around choosing how to represent network data for analysis and modeling</a:t>
+            </a:r>
+          </a:p>
+          <a:p>
+            <a:endParaRPr lang="en-US" dirty="0"/>
+          </a:p>
+          <a:p>
+            <a:r>
+              <a:rPr lang="en-US" dirty="0"/>
+              <a:t>Load network traffic that has been collected into </a:t>
+            </a:r>
+            <a:r>
+              <a:rPr lang="en-US"/>
+              <a:t>software libraries</a:t>
+            </a:r>
+          </a:p>
+          <a:p>
+            <a:endParaRPr lang="en-US" dirty="0"/>
+          </a:p>
+          <a:p>
+            <a:r>
+              <a:rPr lang="en-US" dirty="0"/>
+              <a:t>Represent your network data in ways that can be inputted into machine learning models</a:t>
             </a:r>
           </a:p>
           <a:p>

--- a/module-2/ppt/2.3-Data Representation.pptx
+++ b/module-2/ppt/2.3-Data Representation.pptx
@@ -208,7 +208,7 @@
           <a:p>
             <a:fld id="{ECC93BED-D6B3-334D-9CE3-F2869B7E72EB}" type="datetimeFigureOut">
               <a:rPr lang="en-US" smtClean="0"/>
-              <a:t>11/16/20</a:t>
+              <a:t>3/7/21</a:t>
             </a:fld>
             <a:endParaRPr lang="en-US"/>
           </a:p>
@@ -2235,7 +2235,7 @@
           <a:p>
             <a:fld id="{2AAA8945-93FC-CD4D-85EF-05021FBA20E6}" type="datetimeFigureOut">
               <a:rPr lang="en-US" smtClean="0"/>
-              <a:t>11/16/20</a:t>
+              <a:t>3/7/21</a:t>
             </a:fld>
             <a:endParaRPr lang="en-US"/>
           </a:p>
@@ -2348,7 +2348,7 @@
           <a:p>
             <a:fld id="{2AAA8945-93FC-CD4D-85EF-05021FBA20E6}" type="datetimeFigureOut">
               <a:rPr lang="en-US" smtClean="0"/>
-              <a:t>11/16/20</a:t>
+              <a:t>3/7/21</a:t>
             </a:fld>
             <a:endParaRPr lang="en-US"/>
           </a:p>
@@ -5701,7 +5701,7 @@
           </a:ln>
           <a:extLst>
             <a:ext uri="{C572A759-6A51-4108-AA02-DFA0A04FC94B}">
-              <ma14:wrappingTextBoxFlag xmlns="" xmlns:m="http://schemas.openxmlformats.org/officeDocument/2006/math" xmlns:a14="http://schemas.microsoft.com/office/drawing/2010/main" xmlns:ma14="http://schemas.microsoft.com/office/mac/drawingml/2011/main" val="1"/>
+              <ma14:wrappingTextBoxFlag xmlns:ma14="http://schemas.microsoft.com/office/mac/drawingml/2011/main" xmlns:a14="http://schemas.microsoft.com/office/drawing/2010/main" xmlns:m="http://schemas.openxmlformats.org/officeDocument/2006/math" xmlns="" val="1"/>
             </a:ext>
           </a:extLst>
         </p:spPr>
@@ -5865,7 +5865,7 @@
           </a:ln>
           <a:extLst>
             <a:ext uri="{C572A759-6A51-4108-AA02-DFA0A04FC94B}">
-              <ma14:wrappingTextBoxFlag xmlns="" xmlns:m="http://schemas.openxmlformats.org/officeDocument/2006/math" xmlns:a14="http://schemas.microsoft.com/office/drawing/2010/main" xmlns:ma14="http://schemas.microsoft.com/office/mac/drawingml/2011/main" val="1"/>
+              <ma14:wrappingTextBoxFlag xmlns:ma14="http://schemas.microsoft.com/office/mac/drawingml/2011/main" xmlns:a14="http://schemas.microsoft.com/office/drawing/2010/main" xmlns:m="http://schemas.openxmlformats.org/officeDocument/2006/math" xmlns="" val="1"/>
             </a:ext>
           </a:extLst>
         </p:spPr>
@@ -5913,7 +5913,7 @@
           </a:ln>
           <a:extLst>
             <a:ext uri="{C572A759-6A51-4108-AA02-DFA0A04FC94B}">
-              <ma14:wrappingTextBoxFlag xmlns="" xmlns:m="http://schemas.openxmlformats.org/officeDocument/2006/math" xmlns:a14="http://schemas.microsoft.com/office/drawing/2010/main" xmlns:ma14="http://schemas.microsoft.com/office/mac/drawingml/2011/main" val="1"/>
+              <ma14:wrappingTextBoxFlag xmlns:ma14="http://schemas.microsoft.com/office/mac/drawingml/2011/main" xmlns:a14="http://schemas.microsoft.com/office/drawing/2010/main" xmlns:m="http://schemas.openxmlformats.org/officeDocument/2006/math" xmlns="" val="1"/>
             </a:ext>
           </a:extLst>
         </p:spPr>
@@ -5992,7 +5992,7 @@
           </a:ln>
           <a:extLst>
             <a:ext uri="{C572A759-6A51-4108-AA02-DFA0A04FC94B}">
-              <ma14:wrappingTextBoxFlag xmlns="" xmlns:m="http://schemas.openxmlformats.org/officeDocument/2006/math" xmlns:a14="http://schemas.microsoft.com/office/drawing/2010/main" xmlns:ma14="http://schemas.microsoft.com/office/mac/drawingml/2011/main" val="1"/>
+              <ma14:wrappingTextBoxFlag xmlns:ma14="http://schemas.microsoft.com/office/mac/drawingml/2011/main" xmlns:a14="http://schemas.microsoft.com/office/drawing/2010/main" xmlns:m="http://schemas.openxmlformats.org/officeDocument/2006/math" xmlns="" val="1"/>
             </a:ext>
           </a:extLst>
         </p:spPr>
@@ -6095,7 +6095,7 @@
           </a:ln>
           <a:extLst>
             <a:ext uri="{C572A759-6A51-4108-AA02-DFA0A04FC94B}">
-              <ma14:wrappingTextBoxFlag xmlns="" xmlns:m="http://schemas.openxmlformats.org/officeDocument/2006/math" xmlns:a14="http://schemas.microsoft.com/office/drawing/2010/main" xmlns:ma14="http://schemas.microsoft.com/office/mac/drawingml/2011/main" val="1"/>
+              <ma14:wrappingTextBoxFlag xmlns:ma14="http://schemas.microsoft.com/office/mac/drawingml/2011/main" xmlns:a14="http://schemas.microsoft.com/office/drawing/2010/main" xmlns:m="http://schemas.openxmlformats.org/officeDocument/2006/math" xmlns="" val="1"/>
             </a:ext>
           </a:extLst>
         </p:spPr>
@@ -6170,7 +6170,7 @@
           </a:ln>
           <a:extLst>
             <a:ext uri="{C572A759-6A51-4108-AA02-DFA0A04FC94B}">
-              <ma14:wrappingTextBoxFlag xmlns="" xmlns:m="http://schemas.openxmlformats.org/officeDocument/2006/math" xmlns:a14="http://schemas.microsoft.com/office/drawing/2010/main" xmlns:ma14="http://schemas.microsoft.com/office/mac/drawingml/2011/main" val="1"/>
+              <ma14:wrappingTextBoxFlag xmlns:ma14="http://schemas.microsoft.com/office/mac/drawingml/2011/main" xmlns:a14="http://schemas.microsoft.com/office/drawing/2010/main" xmlns:m="http://schemas.openxmlformats.org/officeDocument/2006/math" xmlns="" val="1"/>
             </a:ext>
           </a:extLst>
         </p:spPr>
@@ -6280,7 +6280,7 @@
           </a:ln>
           <a:extLst>
             <a:ext uri="{C572A759-6A51-4108-AA02-DFA0A04FC94B}">
-              <ma14:wrappingTextBoxFlag xmlns="" xmlns:m="http://schemas.openxmlformats.org/officeDocument/2006/math" xmlns:a14="http://schemas.microsoft.com/office/drawing/2010/main" xmlns:ma14="http://schemas.microsoft.com/office/mac/drawingml/2011/main" val="1"/>
+              <ma14:wrappingTextBoxFlag xmlns:ma14="http://schemas.microsoft.com/office/mac/drawingml/2011/main" xmlns:a14="http://schemas.microsoft.com/office/drawing/2010/main" xmlns:m="http://schemas.openxmlformats.org/officeDocument/2006/math" xmlns="" val="1"/>
             </a:ext>
           </a:extLst>
         </p:spPr>
@@ -6568,7 +6568,7 @@
           </a:prstGeom>
           <a:extLst>
             <a:ext uri="{C572A759-6A51-4108-AA02-DFA0A04FC94B}">
-              <ma14:wrappingTextBoxFlag xmlns:ma14="http://schemas.microsoft.com/office/mac/drawingml/2011/main" xmlns:a14="http://schemas.microsoft.com/office/drawing/2010/main" xmlns:m="http://schemas.openxmlformats.org/officeDocument/2006/math" xmlns="" val="1"/>
+              <ma14:wrappingTextBoxFlag xmlns="" xmlns:m="http://schemas.openxmlformats.org/officeDocument/2006/math" xmlns:a14="http://schemas.microsoft.com/office/drawing/2010/main" xmlns:ma14="http://schemas.microsoft.com/office/mac/drawingml/2011/main" val="1"/>
             </a:ext>
           </a:extLst>
         </p:spPr>
